--- a/publicity/KP_bfs_pres.pptx
+++ b/publicity/KP_bfs_pres.pptx
@@ -143,6 +143,13 @@
       </p:ext>
     </p:extLst>
   </p:cmAuthor>
+  <p:cmAuthor id="2" name="Владислав Самарский" initials="ВС" lastIdx="11" clrIdx="1">
+    <p:extLst>
+      <p:ext uri="{19B8F6BF-5375-455C-9EA6-DF929625EA0E}">
+        <p15:presenceInfo xmlns:p15="http://schemas.microsoft.com/office/powerpoint/2012/main" userId="3ea9ef85f3df98e6" providerId="Windows Live"/>
+      </p:ext>
+    </p:extLst>
+  </p:cmAuthor>
 </p:cmAuthorLst>
 </file>
 
@@ -180,30 +187,30 @@
               </a:defRPr>
             </a:pPr>
             <a:r>
-              <a:rPr lang="ru-RU"/>
+              <a:rPr lang="ru-RU" dirty="0"/>
               <a:t>Время</a:t>
             </a:r>
             <a:r>
-              <a:rPr lang="ru-RU" baseline="0"/>
+              <a:rPr lang="ru-RU" baseline="0" dirty="0"/>
               <a:t> в</a:t>
             </a:r>
             <a:r>
-              <a:rPr lang="ru-RU"/>
+              <a:rPr lang="ru-RU" dirty="0"/>
               <a:t>ыполнения</a:t>
             </a:r>
             <a:r>
-              <a:rPr lang="ru-RU" baseline="0"/>
+              <a:rPr lang="ru-RU" baseline="0" dirty="0"/>
               <a:t> последовательной реализации </a:t>
             </a:r>
             <a:r>
-              <a:rPr lang="en-US" baseline="0"/>
+              <a:rPr lang="en-US" baseline="0" dirty="0"/>
               <a:t>BFS</a:t>
             </a:r>
             <a:r>
-              <a:rPr lang="ru-RU" baseline="0"/>
-              <a:t> (в мс.)</a:t>
-            </a:r>
-            <a:endParaRPr lang="ru-RU"/>
+              <a:rPr lang="ru-RU" baseline="0" dirty="0"/>
+              <a:t> (в сек.)</a:t>
+            </a:r>
+            <a:endParaRPr lang="ru-RU" dirty="0"/>
           </a:p>
         </c:rich>
       </c:tx>
@@ -620,22 +627,22 @@
               </a:defRPr>
             </a:pPr>
             <a:r>
-              <a:rPr lang="ru-RU"/>
+              <a:rPr lang="ru-RU" dirty="0"/>
               <a:t>Время</a:t>
             </a:r>
             <a:r>
-              <a:rPr lang="ru-RU" baseline="0"/>
+              <a:rPr lang="ru-RU" baseline="0" dirty="0"/>
               <a:t> выполнения параллельной реализации </a:t>
             </a:r>
             <a:r>
-              <a:rPr lang="en-US" baseline="0"/>
+              <a:rPr lang="en-US" baseline="0" dirty="0"/>
               <a:t>BFS</a:t>
             </a:r>
             <a:r>
-              <a:rPr lang="ru-RU" baseline="0"/>
-              <a:t> (в мс.)</a:t>
-            </a:r>
-            <a:endParaRPr lang="ru-RU"/>
+              <a:rPr lang="ru-RU" baseline="0" dirty="0"/>
+              <a:t> (в сек.)</a:t>
+            </a:r>
+            <a:endParaRPr lang="ru-RU" dirty="0"/>
           </a:p>
         </c:rich>
       </c:tx>
@@ -2104,8 +2111,8 @@
   </p:cm>
   <p:cm authorId="1" dt="2019-01-17T07:52:54.107" idx="2">
     <p:pos x="10" y="146"/>
-    <p:text>Уважаемая комиссия, разрешите представить Вам курсовой проект по дисциплине «Алгоритмы и структуры данных» на тему (на слайде).
-Выполнил студент группы ДИПРБ-21, Хзабулатов Руслан руководитель кандидат технических наук доцент Лаптев Валерий Викторович</p:text>
+    <p:text>Уважаемая комиссия, разрешите представить Вам курсовой проект по дисциплине «Параллелльное программирование» на тему (на слайде).
+Выполнил студент группы ДИПРБ-41, Самарский Владислав руководитель кандидат технических наук доцент Белов Сергей Валерьевич</p:text>
     <p:extLst>
       <p:ext uri="{C676402C-5697-4E1C-873F-D02D1690AC5C}">
         <p15:threadingInfo xmlns:p15="http://schemas.microsoft.com/office/powerpoint/2012/main" timeZoneBias="-240">
@@ -2132,6 +2139,129 @@
 </file>
 
 <file path=ppt/comments/comment3.xml><?xml version="1.0" encoding="utf-8"?>
+<p:cmLst xmlns:a="http://schemas.openxmlformats.org/drawingml/2006/main" xmlns:r="http://schemas.openxmlformats.org/officeDocument/2006/relationships" xmlns:p="http://schemas.openxmlformats.org/presentationml/2006/main">
+  <p:cm authorId="2" dt="2020-12-24T15:41:05.318" idx="1">
+    <p:pos x="10" y="10"/>
+    <p:text>В рамках курсового проектирования необходимо было решить задачу поиска всех путей в графе. В графах это реализуются в основном двумя алгоритмами</p:text>
+    <p:extLst>
+      <p:ext uri="{C676402C-5697-4E1C-873F-D02D1690AC5C}">
+        <p15:threadingInfo xmlns:p15="http://schemas.microsoft.com/office/powerpoint/2012/main" timeZoneBias="-240"/>
+      </p:ext>
+    </p:extLst>
+  </p:cm>
+</p:cmLst>
+</file>
+
+<file path=ppt/comments/comment4.xml><?xml version="1.0" encoding="utf-8"?>
+<p:cmLst xmlns:a="http://schemas.openxmlformats.org/drawingml/2006/main" xmlns:r="http://schemas.openxmlformats.org/officeDocument/2006/relationships" xmlns:p="http://schemas.openxmlformats.org/presentationml/2006/main">
+  <p:cm authorId="2" dt="2020-12-24T15:44:35.067" idx="2">
+    <p:pos x="10" y="10"/>
+    <p:text>Методом анализа алгоритмов обхода графа было выявлено, что BFS больше подходит для распараллеливания.</p:text>
+    <p:extLst>
+      <p:ext uri="{C676402C-5697-4E1C-873F-D02D1690AC5C}">
+        <p15:threadingInfo xmlns:p15="http://schemas.microsoft.com/office/powerpoint/2012/main" timeZoneBias="-240"/>
+      </p:ext>
+    </p:extLst>
+  </p:cm>
+  <p:cm authorId="2" dt="2020-12-24T15:45:34.998" idx="3">
+    <p:pos x="10" y="146"/>
+    <p:text>И соответственно была взята следующая концепция...</p:text>
+    <p:extLst>
+      <p:ext uri="{C676402C-5697-4E1C-873F-D02D1690AC5C}">
+        <p15:threadingInfo xmlns:p15="http://schemas.microsoft.com/office/powerpoint/2012/main" timeZoneBias="-240">
+          <p15:parentCm authorId="2" idx="2"/>
+        </p15:threadingInfo>
+      </p:ext>
+    </p:extLst>
+  </p:cm>
+  <p:cm authorId="2" dt="2020-12-24T15:46:46.435" idx="4">
+    <p:pos x="146" y="146"/>
+    <p:text>Существует некоторый граф и связи в нём. Обход графа в ширину разделяется на уровни, которые можно описать, как количесвто вершин, которые требуется пройти, чтобы достичь заданную</p:text>
+    <p:extLst>
+      <p:ext uri="{C676402C-5697-4E1C-873F-D02D1690AC5C}">
+        <p15:threadingInfo xmlns:p15="http://schemas.microsoft.com/office/powerpoint/2012/main" timeZoneBias="-240"/>
+      </p:ext>
+    </p:extLst>
+  </p:cm>
+  <p:cm authorId="2" dt="2020-12-24T15:49:19.542" idx="5">
+    <p:pos x="282" y="282"/>
+    <p:text>Поиск смежных вершин к текущему уровню можно осуществлять независимо друг от друга, т.е. этот процесс можно распараллелить</p:text>
+    <p:extLst>
+      <p:ext uri="{C676402C-5697-4E1C-873F-D02D1690AC5C}">
+        <p15:threadingInfo xmlns:p15="http://schemas.microsoft.com/office/powerpoint/2012/main" timeZoneBias="-240"/>
+      </p:ext>
+    </p:extLst>
+  </p:cm>
+  <p:cm authorId="2" dt="2020-12-24T15:54:27.391" idx="6">
+    <p:pos x="418" y="418"/>
+    <p:text>[Рассказать про уровни и проблему доступа к 3 уровню]</p:text>
+    <p:extLst>
+      <p:ext uri="{C676402C-5697-4E1C-873F-D02D1690AC5C}">
+        <p15:threadingInfo xmlns:p15="http://schemas.microsoft.com/office/powerpoint/2012/main" timeZoneBias="-240"/>
+      </p:ext>
+    </p:extLst>
+  </p:cm>
+  <p:cm authorId="2" dt="2020-12-24T15:55:23.858" idx="7">
+    <p:pos x="418" y="554"/>
+    <p:text>Какие проблемы должна решать синхронизация? Повторная обработка достигнутых вершин</p:text>
+    <p:extLst>
+      <p:ext uri="{C676402C-5697-4E1C-873F-D02D1690AC5C}">
+        <p15:threadingInfo xmlns:p15="http://schemas.microsoft.com/office/powerpoint/2012/main" timeZoneBias="-240">
+          <p15:parentCm authorId="2" idx="6"/>
+        </p15:threadingInfo>
+      </p:ext>
+    </p:extLst>
+  </p:cm>
+</p:cmLst>
+</file>
+
+<file path=ppt/comments/comment5.xml><?xml version="1.0" encoding="utf-8"?>
+<p:cmLst xmlns:a="http://schemas.openxmlformats.org/drawingml/2006/main" xmlns:r="http://schemas.openxmlformats.org/officeDocument/2006/relationships" xmlns:p="http://schemas.openxmlformats.org/presentationml/2006/main">
+  <p:cm authorId="2" dt="2020-12-24T15:56:39.290" idx="8">
+    <p:pos x="10" y="10"/>
+    <p:text>На текущем слайде представлена инициализация исходных данных для организации распараллеливания</p:text>
+    <p:extLst>
+      <p:ext uri="{C676402C-5697-4E1C-873F-D02D1690AC5C}">
+        <p15:threadingInfo xmlns:p15="http://schemas.microsoft.com/office/powerpoint/2012/main" timeZoneBias="-240"/>
+      </p:ext>
+    </p:extLst>
+  </p:cm>
+</p:cmLst>
+</file>
+
+<file path=ppt/comments/comment6.xml><?xml version="1.0" encoding="utf-8"?>
+<p:cmLst xmlns:a="http://schemas.openxmlformats.org/drawingml/2006/main" xmlns:r="http://schemas.openxmlformats.org/officeDocument/2006/relationships" xmlns:p="http://schemas.openxmlformats.org/presentationml/2006/main">
+  <p:cm authorId="2" dt="2020-12-24T15:58:36.087" idx="9">
+    <p:pos x="10" y="10"/>
+    <p:text>А на текущем слайде представлен основной цикл параллельного поиска в ширину</p:text>
+    <p:extLst>
+      <p:ext uri="{C676402C-5697-4E1C-873F-D02D1690AC5C}">
+        <p15:threadingInfo xmlns:p15="http://schemas.microsoft.com/office/powerpoint/2012/main" timeZoneBias="-240"/>
+      </p:ext>
+    </p:extLst>
+  </p:cm>
+  <p:cm authorId="2" dt="2020-12-24T16:02:49.866" idx="10">
+    <p:pos x="146" y="146"/>
+    <p:text>Реализуется цикл, окончанием которого является отсустсвие вершин текущего уровня для обработки</p:text>
+    <p:extLst>
+      <p:ext uri="{C676402C-5697-4E1C-873F-D02D1690AC5C}">
+        <p15:threadingInfo xmlns:p15="http://schemas.microsoft.com/office/powerpoint/2012/main" timeZoneBias="-240"/>
+      </p:ext>
+    </p:extLst>
+  </p:cm>
+  <p:cm authorId="2" dt="2020-12-24T16:03:26.962" idx="11">
+    <p:pos x="282" y="282"/>
+    <p:text>Для каждой вершины текущего уровня осуществляется поиск смежных (т.е. следующего уровня) и проверка "является ли вершина недостигнутой" т.е. не была ли она рассмотрена ранее.</p:text>
+    <p:extLst>
+      <p:ext uri="{C676402C-5697-4E1C-873F-D02D1690AC5C}">
+        <p15:threadingInfo xmlns:p15="http://schemas.microsoft.com/office/powerpoint/2012/main" timeZoneBias="-240"/>
+      </p:ext>
+    </p:extLst>
+  </p:cm>
+</p:cmLst>
+</file>
+
+<file path=ppt/comments/comment7.xml><?xml version="1.0" encoding="utf-8"?>
 <p:cmLst xmlns:a="http://schemas.openxmlformats.org/drawingml/2006/main" xmlns:r="http://schemas.openxmlformats.org/officeDocument/2006/relationships" xmlns:p="http://schemas.openxmlformats.org/presentationml/2006/main">
   <p:cm authorId="1" dt="2019-01-17T07:55:32.619" idx="4">
     <p:pos x="10" y="10"/>
@@ -12179,8 +12309,13 @@
             </a:r>
             <a:r>
               <a:rPr lang="ru-RU" dirty="0"/>
-              <a:t>строк – список рёбер</a:t>
-            </a:r>
+              <a:t>строк – список рёбер до </a:t>
+            </a:r>
+            <a:r>
+              <a:rPr lang="en-US" dirty="0"/>
+              <a:t>(n *(n-1))/2</a:t>
+            </a:r>
+            <a:endParaRPr lang="ru-RU" dirty="0"/>
           </a:p>
         </p:txBody>
       </p:sp>
@@ -12445,7 +12580,7 @@
         </p:blipFill>
         <p:spPr>
           <a:xfrm>
-            <a:off x="5182692" y="2382760"/>
+            <a:off x="5182692" y="2388856"/>
             <a:ext cx="6787634" cy="4053826"/>
           </a:xfrm>
           <a:prstGeom prst="rect">
@@ -12786,7 +12921,7 @@
           <p:nvPr>
             <p:extLst>
               <p:ext uri="{D42A27DB-BD31-4B8C-83A1-F6EECF244321}">
-                <p14:modId xmlns:p14="http://schemas.microsoft.com/office/powerpoint/2010/main" val="3248352462"/>
+                <p14:modId xmlns:p14="http://schemas.microsoft.com/office/powerpoint/2010/main" val="185081849"/>
               </p:ext>
             </p:extLst>
           </p:nvPr>
@@ -12814,7 +12949,7 @@
           <p:nvPr>
             <p:extLst>
               <p:ext uri="{D42A27DB-BD31-4B8C-83A1-F6EECF244321}">
-                <p14:modId xmlns:p14="http://schemas.microsoft.com/office/powerpoint/2010/main" val="3918137304"/>
+                <p14:modId xmlns:p14="http://schemas.microsoft.com/office/powerpoint/2010/main" val="2859418204"/>
               </p:ext>
             </p:extLst>
           </p:nvPr>
@@ -14956,7 +15091,7 @@
             <a:pPr algn="just"/>
             <a:r>
               <a:rPr lang="ru-RU" dirty="0"/>
-              <a:t>В результате выполнения курсовой работы был разработан метод распараллеливания обхода графа в ширину, были проведены сравнительные анализы на основе тестов быстродействия и сделаны выводы о целесообразности применения распараллеливания обхода путей графа.</a:t>
+              <a:t>В результате выполнения курсовой работы был разработан метод распараллеливания обхода графа в ширину, были проведены сравнительные анализы на основе тестов быстродействия и сделаны выводы о целесообразности применения распараллеливания для поиска всех путей в графе.</a:t>
             </a:r>
           </a:p>
         </p:txBody>
@@ -17274,7 +17409,7 @@
         </p:nvSpPr>
         <p:spPr>
           <a:xfrm>
-            <a:off x="467884" y="2448574"/>
+            <a:off x="0" y="2458734"/>
             <a:ext cx="9613861" cy="4053826"/>
           </a:xfrm>
           <a:prstGeom prst="rect">
@@ -17451,8 +17586,22 @@
           </a:lstStyle>
           <a:p>
             <a:pPr marL="0" indent="0">
+              <a:lnSpc>
+                <a:spcPct val="100000"/>
+              </a:lnSpc>
+              <a:spcBef>
+                <a:spcPts val="0"/>
+              </a:spcBef>
               <a:buNone/>
             </a:pPr>
+            <a:r>
+              <a:rPr lang="en-US" sz="1800" dirty="0">
+                <a:latin typeface="Calibri" panose="020F0502020204030204" pitchFamily="34" charset="0"/>
+                <a:ea typeface="Calibri" panose="020F0502020204030204" pitchFamily="34" charset="0"/>
+                <a:cs typeface="Times New Roman" panose="02020603050405020304" pitchFamily="18" charset="0"/>
+              </a:rPr>
+              <a:t>           </a:t>
+            </a:r>
             <a:r>
               <a:rPr lang="en-US" sz="1800" dirty="0">
                 <a:effectLst/>
@@ -17460,7 +17609,7 @@
                 <a:ea typeface="Calibri" panose="020F0502020204030204" pitchFamily="34" charset="0"/>
                 <a:cs typeface="Times New Roman" panose="02020603050405020304" pitchFamily="18" charset="0"/>
               </a:rPr>
-              <a:t>while (</a:t>
+              <a:t> while (</a:t>
             </a:r>
             <a:r>
               <a:rPr lang="en-US" sz="1800" dirty="0" err="1">
@@ -17480,14 +17629,37 @@
               </a:rPr>
               <a:t> != 0)</a:t>
             </a:r>
-            <a:br>
+          </a:p>
+          <a:p>
+            <a:pPr marL="0" indent="0">
+              <a:lnSpc>
+                <a:spcPct val="100000"/>
+              </a:lnSpc>
+              <a:spcBef>
+                <a:spcPts val="0"/>
+              </a:spcBef>
+              <a:buNone/>
+            </a:pPr>
+            <a:r>
               <a:rPr lang="en-US" sz="1800" dirty="0">
                 <a:effectLst/>
                 <a:latin typeface="Calibri" panose="020F0502020204030204" pitchFamily="34" charset="0"/>
                 <a:ea typeface="Calibri" panose="020F0502020204030204" pitchFamily="34" charset="0"/>
                 <a:cs typeface="Times New Roman" panose="02020603050405020304" pitchFamily="18" charset="0"/>
               </a:rPr>
-            </a:br>
+              <a:t>            {</a:t>
+            </a:r>
+          </a:p>
+          <a:p>
+            <a:pPr marL="0" indent="0">
+              <a:lnSpc>
+                <a:spcPct val="100000"/>
+              </a:lnSpc>
+              <a:spcBef>
+                <a:spcPts val="0"/>
+              </a:spcBef>
+              <a:buNone/>
+            </a:pPr>
             <a:r>
               <a:rPr lang="en-US" sz="1800" dirty="0">
                 <a:effectLst/>
@@ -17495,24 +17667,7 @@
                 <a:ea typeface="Calibri" panose="020F0502020204030204" pitchFamily="34" charset="0"/>
                 <a:cs typeface="Times New Roman" panose="02020603050405020304" pitchFamily="18" charset="0"/>
               </a:rPr>
-              <a:t>{</a:t>
-            </a:r>
-            <a:br>
-              <a:rPr lang="en-US" sz="1800" dirty="0">
-                <a:effectLst/>
-                <a:latin typeface="Calibri" panose="020F0502020204030204" pitchFamily="34" charset="0"/>
-                <a:ea typeface="Calibri" panose="020F0502020204030204" pitchFamily="34" charset="0"/>
-                <a:cs typeface="Times New Roman" panose="02020603050405020304" pitchFamily="18" charset="0"/>
-              </a:rPr>
-            </a:br>
-            <a:r>
-              <a:rPr lang="en-US" sz="1800" dirty="0">
-                <a:effectLst/>
-                <a:latin typeface="Calibri" panose="020F0502020204030204" pitchFamily="34" charset="0"/>
-                <a:ea typeface="Calibri" panose="020F0502020204030204" pitchFamily="34" charset="0"/>
-                <a:cs typeface="Times New Roman" panose="02020603050405020304" pitchFamily="18" charset="0"/>
-              </a:rPr>
-              <a:t>    </a:t>
+              <a:t>                </a:t>
             </a:r>
             <a:r>
               <a:rPr lang="en-US" sz="1800" dirty="0" err="1">
@@ -17550,14 +17705,37 @@
               </a:rPr>
               <a:t>, node =&gt;</a:t>
             </a:r>
-            <a:br>
+          </a:p>
+          <a:p>
+            <a:pPr marL="0" indent="0">
+              <a:lnSpc>
+                <a:spcPct val="100000"/>
+              </a:lnSpc>
+              <a:spcBef>
+                <a:spcPts val="0"/>
+              </a:spcBef>
+              <a:buNone/>
+            </a:pPr>
+            <a:r>
               <a:rPr lang="en-US" sz="1800" dirty="0">
                 <a:effectLst/>
                 <a:latin typeface="Calibri" panose="020F0502020204030204" pitchFamily="34" charset="0"/>
                 <a:ea typeface="Calibri" panose="020F0502020204030204" pitchFamily="34" charset="0"/>
                 <a:cs typeface="Times New Roman" panose="02020603050405020304" pitchFamily="18" charset="0"/>
               </a:rPr>
-            </a:br>
+              <a:t>                {</a:t>
+            </a:r>
+          </a:p>
+          <a:p>
+            <a:pPr marL="0" indent="0">
+              <a:lnSpc>
+                <a:spcPct val="100000"/>
+              </a:lnSpc>
+              <a:spcBef>
+                <a:spcPts val="0"/>
+              </a:spcBef>
+              <a:buNone/>
+            </a:pPr>
             <a:r>
               <a:rPr lang="en-US" sz="1800" dirty="0">
                 <a:effectLst/>
@@ -17565,24 +17743,7 @@
                 <a:ea typeface="Calibri" panose="020F0502020204030204" pitchFamily="34" charset="0"/>
                 <a:cs typeface="Times New Roman" panose="02020603050405020304" pitchFamily="18" charset="0"/>
               </a:rPr>
-              <a:t>    {</a:t>
-            </a:r>
-            <a:br>
-              <a:rPr lang="en-US" sz="1800" dirty="0">
-                <a:effectLst/>
-                <a:latin typeface="Calibri" panose="020F0502020204030204" pitchFamily="34" charset="0"/>
-                <a:ea typeface="Calibri" panose="020F0502020204030204" pitchFamily="34" charset="0"/>
-                <a:cs typeface="Times New Roman" panose="02020603050405020304" pitchFamily="18" charset="0"/>
-              </a:rPr>
-            </a:br>
-            <a:r>
-              <a:rPr lang="en-US" sz="1800" dirty="0">
-                <a:effectLst/>
-                <a:latin typeface="Calibri" panose="020F0502020204030204" pitchFamily="34" charset="0"/>
-                <a:ea typeface="Calibri" panose="020F0502020204030204" pitchFamily="34" charset="0"/>
-                <a:cs typeface="Times New Roman" panose="02020603050405020304" pitchFamily="18" charset="0"/>
-              </a:rPr>
-              <a:t>        var vert = </a:t>
+              <a:t>                    var vert = </a:t>
             </a:r>
             <a:r>
               <a:rPr lang="en-US" sz="1800" dirty="0" err="1">
@@ -17602,31 +17763,54 @@
               </a:rPr>
               <a:t>[node];</a:t>
             </a:r>
-            <a:br>
+          </a:p>
+          <a:p>
+            <a:pPr marL="0" indent="0">
+              <a:lnSpc>
+                <a:spcPct val="100000"/>
+              </a:lnSpc>
+              <a:spcBef>
+                <a:spcPts val="0"/>
+              </a:spcBef>
+              <a:buNone/>
+            </a:pPr>
+            <a:endParaRPr lang="en-US" sz="1800" dirty="0">
+              <a:effectLst/>
+              <a:latin typeface="Calibri" panose="020F0502020204030204" pitchFamily="34" charset="0"/>
+              <a:ea typeface="Calibri" panose="020F0502020204030204" pitchFamily="34" charset="0"/>
+              <a:cs typeface="Times New Roman" panose="02020603050405020304" pitchFamily="18" charset="0"/>
+            </a:endParaRPr>
+          </a:p>
+          <a:p>
+            <a:pPr marL="0" indent="0">
+              <a:lnSpc>
+                <a:spcPct val="100000"/>
+              </a:lnSpc>
+              <a:spcBef>
+                <a:spcPts val="0"/>
+              </a:spcBef>
+              <a:buNone/>
+            </a:pPr>
+            <a:r>
               <a:rPr lang="en-US" sz="1800" dirty="0">
                 <a:effectLst/>
                 <a:latin typeface="Calibri" panose="020F0502020204030204" pitchFamily="34" charset="0"/>
                 <a:ea typeface="Calibri" panose="020F0502020204030204" pitchFamily="34" charset="0"/>
                 <a:cs typeface="Times New Roman" panose="02020603050405020304" pitchFamily="18" charset="0"/>
               </a:rPr>
-            </a:br>
-            <a:br>
-              <a:rPr lang="en-US" sz="1800" i="1" dirty="0">
-                <a:effectLst/>
-                <a:latin typeface="Calibri" panose="020F0502020204030204" pitchFamily="34" charset="0"/>
-                <a:ea typeface="Calibri" panose="020F0502020204030204" pitchFamily="34" charset="0"/>
-                <a:cs typeface="Times New Roman" panose="02020603050405020304" pitchFamily="18" charset="0"/>
-              </a:rPr>
-            </a:br>
-            <a:r>
-              <a:rPr lang="en-US" sz="1800" i="1" dirty="0">
-                <a:effectLst/>
-                <a:latin typeface="Calibri" panose="020F0502020204030204" pitchFamily="34" charset="0"/>
-                <a:ea typeface="Calibri" panose="020F0502020204030204" pitchFamily="34" charset="0"/>
-                <a:cs typeface="Times New Roman" panose="02020603050405020304" pitchFamily="18" charset="0"/>
-              </a:rPr>
-              <a:t>        </a:t>
-            </a:r>
+              <a:t>                    foreach (var neighbor in Nodes[vert])</a:t>
+            </a:r>
+          </a:p>
+          <a:p>
+            <a:pPr marL="0" indent="0">
+              <a:lnSpc>
+                <a:spcPct val="100000"/>
+              </a:lnSpc>
+              <a:spcBef>
+                <a:spcPts val="0"/>
+              </a:spcBef>
+              <a:buNone/>
+            </a:pPr>
             <a:r>
               <a:rPr lang="en-US" sz="1800" dirty="0">
                 <a:effectLst/>
@@ -17634,16 +17818,75 @@
                 <a:ea typeface="Calibri" panose="020F0502020204030204" pitchFamily="34" charset="0"/>
                 <a:cs typeface="Times New Roman" panose="02020603050405020304" pitchFamily="18" charset="0"/>
               </a:rPr>
-              <a:t>foreach (var neighbor in Nodes[vert])</a:t>
-            </a:r>
-            <a:br>
+              <a:t>                    {</a:t>
+            </a:r>
+          </a:p>
+          <a:p>
+            <a:pPr marL="0" indent="0">
+              <a:lnSpc>
+                <a:spcPct val="100000"/>
+              </a:lnSpc>
+              <a:spcBef>
+                <a:spcPts val="0"/>
+              </a:spcBef>
+              <a:buNone/>
+            </a:pPr>
+            <a:r>
               <a:rPr lang="en-US" sz="1800" dirty="0">
                 <a:effectLst/>
                 <a:latin typeface="Calibri" panose="020F0502020204030204" pitchFamily="34" charset="0"/>
                 <a:ea typeface="Calibri" panose="020F0502020204030204" pitchFamily="34" charset="0"/>
                 <a:cs typeface="Times New Roman" panose="02020603050405020304" pitchFamily="18" charset="0"/>
               </a:rPr>
-            </a:br>
+              <a:t>                        // </a:t>
+            </a:r>
+            <a:r>
+              <a:rPr lang="ru-RU" sz="1800" dirty="0">
+                <a:effectLst/>
+                <a:latin typeface="Calibri" panose="020F0502020204030204" pitchFamily="34" charset="0"/>
+                <a:ea typeface="Calibri" panose="020F0502020204030204" pitchFamily="34" charset="0"/>
+                <a:cs typeface="Times New Roman" panose="02020603050405020304" pitchFamily="18" charset="0"/>
+              </a:rPr>
+              <a:t>всех </a:t>
+            </a:r>
+            <a:r>
+              <a:rPr lang="ru-RU" sz="1800" dirty="0" err="1">
+                <a:effectLst/>
+                <a:latin typeface="Calibri" panose="020F0502020204030204" pitchFamily="34" charset="0"/>
+                <a:ea typeface="Calibri" panose="020F0502020204030204" pitchFamily="34" charset="0"/>
+                <a:cs typeface="Times New Roman" panose="02020603050405020304" pitchFamily="18" charset="0"/>
+              </a:rPr>
+              <a:t>непосещенных</a:t>
+            </a:r>
+            <a:r>
+              <a:rPr lang="ru-RU" sz="1800" dirty="0">
+                <a:effectLst/>
+                <a:latin typeface="Calibri" panose="020F0502020204030204" pitchFamily="34" charset="0"/>
+                <a:ea typeface="Calibri" panose="020F0502020204030204" pitchFamily="34" charset="0"/>
+                <a:cs typeface="Times New Roman" panose="02020603050405020304" pitchFamily="18" charset="0"/>
+              </a:rPr>
+              <a:t> соседей помечаем</a:t>
+            </a:r>
+          </a:p>
+          <a:p>
+            <a:pPr marL="0" indent="0">
+              <a:lnSpc>
+                <a:spcPct val="100000"/>
+              </a:lnSpc>
+              <a:spcBef>
+                <a:spcPts val="0"/>
+              </a:spcBef>
+              <a:buNone/>
+            </a:pPr>
+            <a:r>
+              <a:rPr lang="ru-RU" sz="1800" dirty="0">
+                <a:effectLst/>
+                <a:latin typeface="Calibri" panose="020F0502020204030204" pitchFamily="34" charset="0"/>
+                <a:ea typeface="Calibri" panose="020F0502020204030204" pitchFamily="34" charset="0"/>
+                <a:cs typeface="Times New Roman" panose="02020603050405020304" pitchFamily="18" charset="0"/>
+              </a:rPr>
+              <a:t>                        </a:t>
+            </a:r>
             <a:r>
               <a:rPr lang="en-US" sz="1800" dirty="0">
                 <a:effectLst/>
@@ -17651,16 +17894,39 @@
                 <a:ea typeface="Calibri" panose="020F0502020204030204" pitchFamily="34" charset="0"/>
                 <a:cs typeface="Times New Roman" panose="02020603050405020304" pitchFamily="18" charset="0"/>
               </a:rPr>
-              <a:t>        {</a:t>
-            </a:r>
-            <a:br>
+              <a:t>lock ("neighbor")</a:t>
+            </a:r>
+          </a:p>
+          <a:p>
+            <a:pPr marL="0" indent="0">
+              <a:lnSpc>
+                <a:spcPct val="100000"/>
+              </a:lnSpc>
+              <a:spcBef>
+                <a:spcPts val="0"/>
+              </a:spcBef>
+              <a:buNone/>
+            </a:pPr>
+            <a:r>
               <a:rPr lang="en-US" sz="1800" dirty="0">
                 <a:effectLst/>
                 <a:latin typeface="Calibri" panose="020F0502020204030204" pitchFamily="34" charset="0"/>
                 <a:ea typeface="Calibri" panose="020F0502020204030204" pitchFamily="34" charset="0"/>
                 <a:cs typeface="Times New Roman" panose="02020603050405020304" pitchFamily="18" charset="0"/>
               </a:rPr>
-            </a:br>
+              <a:t>                        {</a:t>
+            </a:r>
+          </a:p>
+          <a:p>
+            <a:pPr marL="0" indent="0">
+              <a:lnSpc>
+                <a:spcPct val="100000"/>
+              </a:lnSpc>
+              <a:spcBef>
+                <a:spcPts val="0"/>
+              </a:spcBef>
+              <a:buNone/>
+            </a:pPr>
             <a:r>
               <a:rPr lang="en-US" sz="1800" dirty="0">
                 <a:effectLst/>
@@ -17668,92 +17934,7 @@
                 <a:ea typeface="Calibri" panose="020F0502020204030204" pitchFamily="34" charset="0"/>
                 <a:cs typeface="Times New Roman" panose="02020603050405020304" pitchFamily="18" charset="0"/>
               </a:rPr>
-              <a:t>            </a:t>
-            </a:r>
-            <a:r>
-              <a:rPr lang="en-US" sz="1800" i="1" dirty="0">
-                <a:effectLst/>
-                <a:latin typeface="Calibri" panose="020F0502020204030204" pitchFamily="34" charset="0"/>
-                <a:ea typeface="Calibri" panose="020F0502020204030204" pitchFamily="34" charset="0"/>
-                <a:cs typeface="Times New Roman" panose="02020603050405020304" pitchFamily="18" charset="0"/>
-              </a:rPr>
-              <a:t>// </a:t>
-            </a:r>
-            <a:r>
-              <a:rPr lang="ru-RU" sz="1800" i="1" dirty="0">
-                <a:effectLst/>
-                <a:latin typeface="Calibri" panose="020F0502020204030204" pitchFamily="34" charset="0"/>
-                <a:ea typeface="Calibri" panose="020F0502020204030204" pitchFamily="34" charset="0"/>
-                <a:cs typeface="Times New Roman" panose="02020603050405020304" pitchFamily="18" charset="0"/>
-              </a:rPr>
-              <a:t>все </a:t>
-            </a:r>
-            <a:r>
-              <a:rPr lang="ru-RU" sz="1800" i="1" dirty="0" err="1">
-                <a:effectLst/>
-                <a:latin typeface="Calibri" panose="020F0502020204030204" pitchFamily="34" charset="0"/>
-                <a:ea typeface="Calibri" panose="020F0502020204030204" pitchFamily="34" charset="0"/>
-                <a:cs typeface="Times New Roman" panose="02020603050405020304" pitchFamily="18" charset="0"/>
-              </a:rPr>
-              <a:t>непосещенные</a:t>
-            </a:r>
-            <a:r>
-              <a:rPr lang="ru-RU" sz="1800" i="1" dirty="0">
-                <a:effectLst/>
-                <a:latin typeface="Calibri" panose="020F0502020204030204" pitchFamily="34" charset="0"/>
-                <a:ea typeface="Calibri" panose="020F0502020204030204" pitchFamily="34" charset="0"/>
-                <a:cs typeface="Times New Roman" panose="02020603050405020304" pitchFamily="18" charset="0"/>
-              </a:rPr>
-              <a:t> смежные вершины добавляем в следующий </a:t>
-            </a:r>
-            <a:r>
-              <a:rPr lang="ru-RU" sz="1800" i="1" dirty="0" err="1">
-                <a:effectLst/>
-                <a:latin typeface="Calibri" panose="020F0502020204030204" pitchFamily="34" charset="0"/>
-                <a:ea typeface="Calibri" panose="020F0502020204030204" pitchFamily="34" charset="0"/>
-                <a:cs typeface="Times New Roman" panose="02020603050405020304" pitchFamily="18" charset="0"/>
-              </a:rPr>
-              <a:t>ур</a:t>
-            </a:r>
-            <a:r>
-              <a:rPr lang="ru-RU" sz="1800" i="1" dirty="0">
-                <a:effectLst/>
-                <a:latin typeface="Calibri" panose="020F0502020204030204" pitchFamily="34" charset="0"/>
-                <a:ea typeface="Calibri" panose="020F0502020204030204" pitchFamily="34" charset="0"/>
-                <a:cs typeface="Times New Roman" panose="02020603050405020304" pitchFamily="18" charset="0"/>
-              </a:rPr>
-              <a:t>.</a:t>
-            </a:r>
-          </a:p>
-          <a:p>
-            <a:pPr marL="0" indent="0">
-              <a:buNone/>
-            </a:pPr>
-            <a:br>
-              <a:rPr lang="en-US" sz="1800" i="1" dirty="0">
-                <a:effectLst/>
-                <a:latin typeface="Calibri" panose="020F0502020204030204" pitchFamily="34" charset="0"/>
-                <a:ea typeface="Calibri" panose="020F0502020204030204" pitchFamily="34" charset="0"/>
-                <a:cs typeface="Times New Roman" panose="02020603050405020304" pitchFamily="18" charset="0"/>
-              </a:rPr>
-            </a:br>
-            <a:r>
-              <a:rPr lang="en-US" sz="1800" i="1" dirty="0">
-                <a:effectLst/>
-                <a:latin typeface="Calibri" panose="020F0502020204030204" pitchFamily="34" charset="0"/>
-                <a:ea typeface="Calibri" panose="020F0502020204030204" pitchFamily="34" charset="0"/>
-                <a:cs typeface="Times New Roman" panose="02020603050405020304" pitchFamily="18" charset="0"/>
-              </a:rPr>
-              <a:t>            </a:t>
-            </a:r>
-            <a:r>
-              <a:rPr lang="en-US" sz="1800" dirty="0">
-                <a:effectLst/>
-                <a:latin typeface="Calibri" panose="020F0502020204030204" pitchFamily="34" charset="0"/>
-                <a:ea typeface="Calibri" panose="020F0502020204030204" pitchFamily="34" charset="0"/>
-                <a:cs typeface="Times New Roman" panose="02020603050405020304" pitchFamily="18" charset="0"/>
-              </a:rPr>
-              <a:t>if (</a:t>
+              <a:t>                            if (</a:t>
             </a:r>
             <a:r>
               <a:rPr lang="en-US" sz="1800" dirty="0" err="1">
@@ -17771,27 +17952,39 @@
                 <a:ea typeface="Calibri" panose="020F0502020204030204" pitchFamily="34" charset="0"/>
                 <a:cs typeface="Times New Roman" panose="02020603050405020304" pitchFamily="18" charset="0"/>
               </a:rPr>
-              <a:t>[neighbor] == -1)</a:t>
-            </a:r>
-            <a:endParaRPr lang="ru-RU" sz="1800" dirty="0">
-              <a:effectLst/>
-              <a:latin typeface="Calibri" panose="020F0502020204030204" pitchFamily="34" charset="0"/>
-              <a:ea typeface="Calibri" panose="020F0502020204030204" pitchFamily="34" charset="0"/>
-              <a:cs typeface="Times New Roman" panose="02020603050405020304" pitchFamily="18" charset="0"/>
-            </a:endParaRPr>
+              <a:t>[neighbor] != -1)</a:t>
+            </a:r>
           </a:p>
           <a:p>
             <a:pPr marL="0" indent="0">
+              <a:lnSpc>
+                <a:spcPct val="100000"/>
+              </a:lnSpc>
+              <a:spcBef>
+                <a:spcPts val="0"/>
+              </a:spcBef>
               <a:buNone/>
             </a:pPr>
-            <a:br>
+            <a:r>
               <a:rPr lang="en-US" sz="1800" dirty="0">
                 <a:effectLst/>
                 <a:latin typeface="Calibri" panose="020F0502020204030204" pitchFamily="34" charset="0"/>
                 <a:ea typeface="Calibri" panose="020F0502020204030204" pitchFamily="34" charset="0"/>
                 <a:cs typeface="Times New Roman" panose="02020603050405020304" pitchFamily="18" charset="0"/>
               </a:rPr>
-            </a:br>
+              <a:t>                                continue;</a:t>
+            </a:r>
+          </a:p>
+          <a:p>
+            <a:pPr marL="0" indent="0">
+              <a:lnSpc>
+                <a:spcPct val="100000"/>
+              </a:lnSpc>
+              <a:spcBef>
+                <a:spcPts val="0"/>
+              </a:spcBef>
+              <a:buNone/>
+            </a:pPr>
             <a:r>
               <a:rPr lang="en-US" sz="1800" dirty="0">
                 <a:effectLst/>
@@ -17799,41 +17992,7 @@
                 <a:ea typeface="Calibri" panose="020F0502020204030204" pitchFamily="34" charset="0"/>
                 <a:cs typeface="Times New Roman" panose="02020603050405020304" pitchFamily="18" charset="0"/>
               </a:rPr>
-              <a:t>                lock ("neighbor")</a:t>
-            </a:r>
-            <a:br>
-              <a:rPr lang="en-US" sz="1800" dirty="0">
-                <a:effectLst/>
-                <a:latin typeface="Calibri" panose="020F0502020204030204" pitchFamily="34" charset="0"/>
-                <a:ea typeface="Calibri" panose="020F0502020204030204" pitchFamily="34" charset="0"/>
-                <a:cs typeface="Times New Roman" panose="02020603050405020304" pitchFamily="18" charset="0"/>
-              </a:rPr>
-            </a:br>
-            <a:r>
-              <a:rPr lang="en-US" sz="1800" dirty="0">
-                <a:effectLst/>
-                <a:latin typeface="Calibri" panose="020F0502020204030204" pitchFamily="34" charset="0"/>
-                <a:ea typeface="Calibri" panose="020F0502020204030204" pitchFamily="34" charset="0"/>
-                <a:cs typeface="Times New Roman" panose="02020603050405020304" pitchFamily="18" charset="0"/>
-              </a:rPr>
-              <a:t>                {</a:t>
-            </a:r>
-            <a:br>
-              <a:rPr lang="en-US" sz="1800" dirty="0">
-                <a:effectLst/>
-                <a:latin typeface="Calibri" panose="020F0502020204030204" pitchFamily="34" charset="0"/>
-                <a:ea typeface="Calibri" panose="020F0502020204030204" pitchFamily="34" charset="0"/>
-                <a:cs typeface="Times New Roman" panose="02020603050405020304" pitchFamily="18" charset="0"/>
-              </a:rPr>
-            </a:br>
-            <a:r>
-              <a:rPr lang="en-US" sz="1800" dirty="0">
-                <a:effectLst/>
-                <a:latin typeface="Calibri" panose="020F0502020204030204" pitchFamily="34" charset="0"/>
-                <a:ea typeface="Calibri" panose="020F0502020204030204" pitchFamily="34" charset="0"/>
-                <a:cs typeface="Times New Roman" panose="02020603050405020304" pitchFamily="18" charset="0"/>
-              </a:rPr>
-              <a:t>                    </a:t>
+              <a:t>                            </a:t>
             </a:r>
             <a:r>
               <a:rPr lang="en-US" sz="1800" dirty="0" err="1">
@@ -17853,22 +18012,25 @@
               </a:rPr>
               <a:t>[neighbor] = level + 1; </a:t>
             </a:r>
-            <a:br>
+          </a:p>
+          <a:p>
+            <a:pPr marL="0" indent="0">
+              <a:lnSpc>
+                <a:spcPct val="100000"/>
+              </a:lnSpc>
+              <a:spcBef>
+                <a:spcPts val="0"/>
+              </a:spcBef>
+              <a:buNone/>
+            </a:pPr>
+            <a:r>
               <a:rPr lang="en-US" sz="1800" dirty="0">
                 <a:effectLst/>
                 <a:latin typeface="Calibri" panose="020F0502020204030204" pitchFamily="34" charset="0"/>
                 <a:ea typeface="Calibri" panose="020F0502020204030204" pitchFamily="34" charset="0"/>
                 <a:cs typeface="Times New Roman" panose="02020603050405020304" pitchFamily="18" charset="0"/>
               </a:rPr>
-            </a:br>
-            <a:r>
-              <a:rPr lang="en-US" sz="1800" dirty="0">
-                <a:effectLst/>
-                <a:latin typeface="Calibri" panose="020F0502020204030204" pitchFamily="34" charset="0"/>
-                <a:ea typeface="Calibri" panose="020F0502020204030204" pitchFamily="34" charset="0"/>
-                <a:cs typeface="Times New Roman" panose="02020603050405020304" pitchFamily="18" charset="0"/>
-              </a:rPr>
-              <a:t>                    </a:t>
+              <a:t>                            </a:t>
             </a:r>
             <a:r>
               <a:rPr lang="en-US" sz="1800" dirty="0" err="1">
@@ -17888,14 +18050,37 @@
               </a:rPr>
               <a:t>(neighbor);</a:t>
             </a:r>
-            <a:br>
+          </a:p>
+          <a:p>
+            <a:pPr marL="0" indent="0">
+              <a:lnSpc>
+                <a:spcPct val="100000"/>
+              </a:lnSpc>
+              <a:spcBef>
+                <a:spcPts val="0"/>
+              </a:spcBef>
+              <a:buNone/>
+            </a:pPr>
+            <a:r>
               <a:rPr lang="en-US" sz="1800" dirty="0">
                 <a:effectLst/>
                 <a:latin typeface="Calibri" panose="020F0502020204030204" pitchFamily="34" charset="0"/>
                 <a:ea typeface="Calibri" panose="020F0502020204030204" pitchFamily="34" charset="0"/>
                 <a:cs typeface="Times New Roman" panose="02020603050405020304" pitchFamily="18" charset="0"/>
               </a:rPr>
-            </a:br>
+              <a:t>                        }</a:t>
+            </a:r>
+          </a:p>
+          <a:p>
+            <a:pPr marL="0" indent="0">
+              <a:lnSpc>
+                <a:spcPct val="100000"/>
+              </a:lnSpc>
+              <a:spcBef>
+                <a:spcPts val="0"/>
+              </a:spcBef>
+              <a:buNone/>
+            </a:pPr>
             <a:r>
               <a:rPr lang="en-US" sz="1800" dirty="0">
                 <a:effectLst/>
@@ -17903,16 +18088,39 @@
                 <a:ea typeface="Calibri" panose="020F0502020204030204" pitchFamily="34" charset="0"/>
                 <a:cs typeface="Times New Roman" panose="02020603050405020304" pitchFamily="18" charset="0"/>
               </a:rPr>
-              <a:t>                }</a:t>
-            </a:r>
-            <a:br>
+              <a:t>                    }</a:t>
+            </a:r>
+          </a:p>
+          <a:p>
+            <a:pPr marL="0" indent="0">
+              <a:lnSpc>
+                <a:spcPct val="100000"/>
+              </a:lnSpc>
+              <a:spcBef>
+                <a:spcPts val="0"/>
+              </a:spcBef>
+              <a:buNone/>
+            </a:pPr>
+            <a:r>
               <a:rPr lang="en-US" sz="1800" dirty="0">
                 <a:effectLst/>
                 <a:latin typeface="Calibri" panose="020F0502020204030204" pitchFamily="34" charset="0"/>
                 <a:ea typeface="Calibri" panose="020F0502020204030204" pitchFamily="34" charset="0"/>
                 <a:cs typeface="Times New Roman" panose="02020603050405020304" pitchFamily="18" charset="0"/>
               </a:rPr>
-            </a:br>
+              <a:t>                });</a:t>
+            </a:r>
+          </a:p>
+          <a:p>
+            <a:pPr marL="0" indent="0">
+              <a:lnSpc>
+                <a:spcPct val="100000"/>
+              </a:lnSpc>
+              <a:spcBef>
+                <a:spcPts val="0"/>
+              </a:spcBef>
+              <a:buNone/>
+            </a:pPr>
             <a:r>
               <a:rPr lang="en-US" sz="1800" dirty="0">
                 <a:effectLst/>
@@ -17920,50 +18128,7 @@
                 <a:ea typeface="Calibri" panose="020F0502020204030204" pitchFamily="34" charset="0"/>
                 <a:cs typeface="Times New Roman" panose="02020603050405020304" pitchFamily="18" charset="0"/>
               </a:rPr>
-              <a:t>        }</a:t>
-            </a:r>
-            <a:br>
-              <a:rPr lang="en-US" sz="1800" i="1" dirty="0">
-                <a:effectLst/>
-                <a:latin typeface="Calibri" panose="020F0502020204030204" pitchFamily="34" charset="0"/>
-                <a:ea typeface="Calibri" panose="020F0502020204030204" pitchFamily="34" charset="0"/>
-                <a:cs typeface="Times New Roman" panose="02020603050405020304" pitchFamily="18" charset="0"/>
-              </a:rPr>
-            </a:br>
-            <a:r>
-              <a:rPr lang="en-US" sz="1800" i="1" dirty="0">
-                <a:effectLst/>
-                <a:latin typeface="Calibri" panose="020F0502020204030204" pitchFamily="34" charset="0"/>
-                <a:ea typeface="Calibri" panose="020F0502020204030204" pitchFamily="34" charset="0"/>
-                <a:cs typeface="Times New Roman" panose="02020603050405020304" pitchFamily="18" charset="0"/>
-              </a:rPr>
-              <a:t>    </a:t>
-            </a:r>
-            <a:r>
-              <a:rPr lang="en-US" sz="1800" dirty="0">
-                <a:effectLst/>
-                <a:latin typeface="Calibri" panose="020F0502020204030204" pitchFamily="34" charset="0"/>
-                <a:ea typeface="Calibri" panose="020F0502020204030204" pitchFamily="34" charset="0"/>
-                <a:cs typeface="Times New Roman" panose="02020603050405020304" pitchFamily="18" charset="0"/>
-              </a:rPr>
-              <a:t>});</a:t>
-            </a:r>
-            <a:br>
-              <a:rPr lang="en-US" sz="1800" dirty="0">
-                <a:effectLst/>
-                <a:latin typeface="Calibri" panose="020F0502020204030204" pitchFamily="34" charset="0"/>
-                <a:ea typeface="Calibri" panose="020F0502020204030204" pitchFamily="34" charset="0"/>
-                <a:cs typeface="Times New Roman" panose="02020603050405020304" pitchFamily="18" charset="0"/>
-              </a:rPr>
-            </a:br>
-            <a:r>
-              <a:rPr lang="en-US" sz="1800" dirty="0">
-                <a:effectLst/>
-                <a:latin typeface="Calibri" panose="020F0502020204030204" pitchFamily="34" charset="0"/>
-                <a:ea typeface="Calibri" panose="020F0502020204030204" pitchFamily="34" charset="0"/>
-                <a:cs typeface="Times New Roman" panose="02020603050405020304" pitchFamily="18" charset="0"/>
-              </a:rPr>
-              <a:t>    </a:t>
+              <a:t>                </a:t>
             </a:r>
             <a:r>
               <a:rPr lang="en-US" sz="1800" dirty="0" err="1">
@@ -18001,22 +18166,25 @@
               </a:rPr>
               <a:t>;</a:t>
             </a:r>
-            <a:br>
+          </a:p>
+          <a:p>
+            <a:pPr marL="0" indent="0">
+              <a:lnSpc>
+                <a:spcPct val="100000"/>
+              </a:lnSpc>
+              <a:spcBef>
+                <a:spcPts val="0"/>
+              </a:spcBef>
+              <a:buNone/>
+            </a:pPr>
+            <a:r>
               <a:rPr lang="en-US" sz="1800" dirty="0">
                 <a:effectLst/>
                 <a:latin typeface="Calibri" panose="020F0502020204030204" pitchFamily="34" charset="0"/>
                 <a:ea typeface="Calibri" panose="020F0502020204030204" pitchFamily="34" charset="0"/>
                 <a:cs typeface="Times New Roman" panose="02020603050405020304" pitchFamily="18" charset="0"/>
               </a:rPr>
-            </a:br>
-            <a:r>
-              <a:rPr lang="en-US" sz="1800" dirty="0">
-                <a:effectLst/>
-                <a:latin typeface="Calibri" panose="020F0502020204030204" pitchFamily="34" charset="0"/>
-                <a:ea typeface="Calibri" panose="020F0502020204030204" pitchFamily="34" charset="0"/>
-                <a:cs typeface="Times New Roman" panose="02020603050405020304" pitchFamily="18" charset="0"/>
-              </a:rPr>
-              <a:t>    </a:t>
+              <a:t>                </a:t>
             </a:r>
             <a:r>
               <a:rPr lang="en-US" sz="1800" dirty="0" err="1">
@@ -18036,14 +18204,37 @@
               </a:rPr>
               <a:t> = new List&lt;int&gt;();</a:t>
             </a:r>
-            <a:br>
+          </a:p>
+          <a:p>
+            <a:pPr marL="0" indent="0">
+              <a:lnSpc>
+                <a:spcPct val="100000"/>
+              </a:lnSpc>
+              <a:spcBef>
+                <a:spcPts val="0"/>
+              </a:spcBef>
+              <a:buNone/>
+            </a:pPr>
+            <a:r>
               <a:rPr lang="en-US" sz="1800" dirty="0">
                 <a:effectLst/>
                 <a:latin typeface="Calibri" panose="020F0502020204030204" pitchFamily="34" charset="0"/>
                 <a:ea typeface="Calibri" panose="020F0502020204030204" pitchFamily="34" charset="0"/>
                 <a:cs typeface="Times New Roman" panose="02020603050405020304" pitchFamily="18" charset="0"/>
               </a:rPr>
-            </a:br>
+              <a:t>                level++;</a:t>
+            </a:r>
+          </a:p>
+          <a:p>
+            <a:pPr marL="0" indent="0">
+              <a:lnSpc>
+                <a:spcPct val="100000"/>
+              </a:lnSpc>
+              <a:spcBef>
+                <a:spcPts val="0"/>
+              </a:spcBef>
+              <a:buNone/>
+            </a:pPr>
             <a:r>
               <a:rPr lang="en-US" sz="1800" dirty="0">
                 <a:effectLst/>
@@ -18051,33 +18242,8 @@
                 <a:ea typeface="Calibri" panose="020F0502020204030204" pitchFamily="34" charset="0"/>
                 <a:cs typeface="Times New Roman" panose="02020603050405020304" pitchFamily="18" charset="0"/>
               </a:rPr>
-              <a:t>    level++;</a:t>
-            </a:r>
-            <a:br>
-              <a:rPr lang="en-US" sz="1800" dirty="0">
-                <a:effectLst/>
-                <a:latin typeface="Calibri" panose="020F0502020204030204" pitchFamily="34" charset="0"/>
-                <a:ea typeface="Calibri" panose="020F0502020204030204" pitchFamily="34" charset="0"/>
-                <a:cs typeface="Times New Roman" panose="02020603050405020304" pitchFamily="18" charset="0"/>
-              </a:rPr>
-            </a:br>
-            <a:r>
-              <a:rPr lang="en-US" sz="1800" dirty="0">
-                <a:effectLst/>
-                <a:latin typeface="Calibri" panose="020F0502020204030204" pitchFamily="34" charset="0"/>
-                <a:ea typeface="Calibri" panose="020F0502020204030204" pitchFamily="34" charset="0"/>
-                <a:cs typeface="Times New Roman" panose="02020603050405020304" pitchFamily="18" charset="0"/>
-              </a:rPr>
-              <a:t>}</a:t>
-            </a:r>
-            <a:br>
-              <a:rPr lang="en-US" sz="1800" dirty="0">
-                <a:effectLst/>
-                <a:latin typeface="Calibri" panose="020F0502020204030204" pitchFamily="34" charset="0"/>
-                <a:ea typeface="Calibri" panose="020F0502020204030204" pitchFamily="34" charset="0"/>
-                <a:cs typeface="Times New Roman" panose="02020603050405020304" pitchFamily="18" charset="0"/>
-              </a:rPr>
-            </a:br>
+              <a:t>            }</a:t>
+            </a:r>
             <a:endParaRPr lang="ru-RU" dirty="0"/>
           </a:p>
         </p:txBody>
@@ -18140,8 +18306,8 @@
         </p:nvSpPr>
         <p:spPr>
           <a:xfrm>
-            <a:off x="849491" y="4041378"/>
-            <a:ext cx="2521528" cy="1246909"/>
+            <a:off x="788530" y="3840480"/>
+            <a:ext cx="3620909" cy="1447807"/>
           </a:xfrm>
           <a:prstGeom prst="roundRect">
             <a:avLst/>
